--- a/2. Project Initiation/Kickoff/KickOffMeeting.pptx
+++ b/2. Project Initiation/Kickoff/KickOffMeeting.pptx
@@ -129,10 +129,6 @@
 </p:presentation>
 </file>
 
-<file path=ppt/revisionInfo.xml><?xml version="1.0" encoding="utf-8"?>
-<p1510:revInfo xmlns:a="http://schemas.openxmlformats.org/drawingml/2006/main" xmlns:r="http://schemas.openxmlformats.org/officeDocument/2006/relationships" xmlns:p1510="http://schemas.microsoft.com/office/powerpoint/2015/10/main"/>
-</file>
-
 <file path=ppt/notesMasters/notesMaster1.xml><?xml version="1.0" encoding="utf-8"?>
 <p:notesMaster xmlns:a="http://schemas.openxmlformats.org/drawingml/2006/main" xmlns:r="http://schemas.openxmlformats.org/officeDocument/2006/relationships" xmlns:p="http://schemas.openxmlformats.org/presentationml/2006/main">
   <p:cSld>
@@ -215,7 +211,7 @@
           <a:p>
             <a:fld id="{D40FA7A4-7652-4CE8-8C6F-54E151084E06}" type="datetimeFigureOut">
               <a:rPr lang="en-US" smtClean="0"/>
-              <a:t>1/25/2018</a:t>
+              <a:t>2/11/2018</a:t>
             </a:fld>
             <a:endParaRPr lang="en-US"/>
           </a:p>
@@ -1149,7 +1145,7 @@
             <a:fld id="{B61BEF0D-F0BB-DE4B-95CE-6DB70DBA9567}" type="datetimeFigureOut">
               <a:rPr lang="en-US" dirty="0"/>
               <a:pPr/>
-              <a:t>1/25/2018</a:t>
+              <a:t>2/11/2018</a:t>
             </a:fld>
             <a:endParaRPr lang="en-US" dirty="0"/>
           </a:p>
@@ -1582,7 +1578,7 @@
             <a:fld id="{B61BEF0D-F0BB-DE4B-95CE-6DB70DBA9567}" type="datetimeFigureOut">
               <a:rPr lang="en-US" dirty="0"/>
               <a:pPr/>
-              <a:t>1/25/2018</a:t>
+              <a:t>2/11/2018</a:t>
             </a:fld>
             <a:endParaRPr lang="en-US" dirty="0"/>
           </a:p>
@@ -1829,7 +1825,7 @@
             <a:fld id="{B61BEF0D-F0BB-DE4B-95CE-6DB70DBA9567}" type="datetimeFigureOut">
               <a:rPr lang="en-US" dirty="0"/>
               <a:pPr/>
-              <a:t>1/25/2018</a:t>
+              <a:t>2/11/2018</a:t>
             </a:fld>
             <a:endParaRPr lang="en-US" dirty="0"/>
           </a:p>
@@ -2134,7 +2130,7 @@
             <a:fld id="{B61BEF0D-F0BB-DE4B-95CE-6DB70DBA9567}" type="datetimeFigureOut">
               <a:rPr lang="en-US" dirty="0"/>
               <a:pPr/>
-              <a:t>1/25/2018</a:t>
+              <a:t>2/11/2018</a:t>
             </a:fld>
             <a:endParaRPr lang="en-US" dirty="0"/>
           </a:p>
@@ -2449,7 +2445,7 @@
             <a:fld id="{B61BEF0D-F0BB-DE4B-95CE-6DB70DBA9567}" type="datetimeFigureOut">
               <a:rPr lang="en-US" dirty="0"/>
               <a:pPr/>
-              <a:t>1/25/2018</a:t>
+              <a:t>2/11/2018</a:t>
             </a:fld>
             <a:endParaRPr lang="en-US" dirty="0"/>
           </a:p>
@@ -2748,7 +2744,7 @@
             <a:fld id="{B61BEF0D-F0BB-DE4B-95CE-6DB70DBA9567}" type="datetimeFigureOut">
               <a:rPr lang="en-US" dirty="0"/>
               <a:pPr/>
-              <a:t>1/25/2018</a:t>
+              <a:t>2/11/2018</a:t>
             </a:fld>
             <a:endParaRPr lang="en-US" dirty="0"/>
           </a:p>
@@ -3112,7 +3108,7 @@
             <a:fld id="{B61BEF0D-F0BB-DE4B-95CE-6DB70DBA9567}" type="datetimeFigureOut">
               <a:rPr lang="en-US" dirty="0"/>
               <a:pPr/>
-              <a:t>1/25/2018</a:t>
+              <a:t>2/11/2018</a:t>
             </a:fld>
             <a:endParaRPr lang="en-US" dirty="0"/>
           </a:p>
@@ -3283,7 +3279,7 @@
             <a:fld id="{B61BEF0D-F0BB-DE4B-95CE-6DB70DBA9567}" type="datetimeFigureOut">
               <a:rPr lang="en-US" dirty="0"/>
               <a:pPr/>
-              <a:t>1/25/2018</a:t>
+              <a:t>2/11/2018</a:t>
             </a:fld>
             <a:endParaRPr lang="en-US" dirty="0"/>
           </a:p>
@@ -3460,7 +3456,7 @@
             <a:fld id="{B61BEF0D-F0BB-DE4B-95CE-6DB70DBA9567}" type="datetimeFigureOut">
               <a:rPr lang="en-US" dirty="0"/>
               <a:pPr/>
-              <a:t>1/25/2018</a:t>
+              <a:t>2/11/2018</a:t>
             </a:fld>
             <a:endParaRPr lang="en-US" dirty="0"/>
           </a:p>
@@ -3852,7 +3848,7 @@
             <a:fld id="{B61BEF0D-F0BB-DE4B-95CE-6DB70DBA9567}" type="datetimeFigureOut">
               <a:rPr lang="en-US" dirty="0"/>
               <a:pPr/>
-              <a:t>1/25/2018</a:t>
+              <a:t>2/11/2018</a:t>
             </a:fld>
             <a:endParaRPr lang="en-US" dirty="0"/>
           </a:p>
@@ -4188,7 +4184,7 @@
             <a:fld id="{B61BEF0D-F0BB-DE4B-95CE-6DB70DBA9567}" type="datetimeFigureOut">
               <a:rPr lang="en-US" dirty="0"/>
               <a:pPr/>
-              <a:t>1/25/2018</a:t>
+              <a:t>2/11/2018</a:t>
             </a:fld>
             <a:endParaRPr lang="en-US" dirty="0"/>
           </a:p>
@@ -4421,7 +4417,7 @@
             <a:fld id="{B61BEF0D-F0BB-DE4B-95CE-6DB70DBA9567}" type="datetimeFigureOut">
               <a:rPr lang="en-US" dirty="0"/>
               <a:pPr/>
-              <a:t>1/25/2018</a:t>
+              <a:t>2/11/2018</a:t>
             </a:fld>
             <a:endParaRPr lang="en-US" dirty="0"/>
           </a:p>
@@ -4800,7 +4796,7 @@
             <a:fld id="{B61BEF0D-F0BB-DE4B-95CE-6DB70DBA9567}" type="datetimeFigureOut">
               <a:rPr lang="en-US" dirty="0"/>
               <a:pPr/>
-              <a:t>1/25/2018</a:t>
+              <a:t>2/11/2018</a:t>
             </a:fld>
             <a:endParaRPr lang="en-US" dirty="0"/>
           </a:p>
@@ -4915,7 +4911,7 @@
             <a:fld id="{B61BEF0D-F0BB-DE4B-95CE-6DB70DBA9567}" type="datetimeFigureOut">
               <a:rPr lang="en-US" dirty="0"/>
               <a:pPr/>
-              <a:t>1/25/2018</a:t>
+              <a:t>2/11/2018</a:t>
             </a:fld>
             <a:endParaRPr lang="en-US" dirty="0"/>
           </a:p>
@@ -5007,7 +5003,7 @@
             <a:fld id="{B61BEF0D-F0BB-DE4B-95CE-6DB70DBA9567}" type="datetimeFigureOut">
               <a:rPr lang="en-US" dirty="0"/>
               <a:pPr/>
-              <a:t>1/25/2018</a:t>
+              <a:t>2/11/2018</a:t>
             </a:fld>
             <a:endParaRPr lang="en-US" dirty="0"/>
           </a:p>
@@ -5259,7 +5255,7 @@
             <a:fld id="{B61BEF0D-F0BB-DE4B-95CE-6DB70DBA9567}" type="datetimeFigureOut">
               <a:rPr lang="en-US" dirty="0"/>
               <a:pPr/>
-              <a:t>1/25/2018</a:t>
+              <a:t>2/11/2018</a:t>
             </a:fld>
             <a:endParaRPr lang="en-US" dirty="0"/>
           </a:p>
@@ -5539,7 +5535,7 @@
             <a:fld id="{B61BEF0D-F0BB-DE4B-95CE-6DB70DBA9567}" type="datetimeFigureOut">
               <a:rPr lang="en-US" dirty="0"/>
               <a:pPr/>
-              <a:t>1/25/2018</a:t>
+              <a:t>2/11/2018</a:t>
             </a:fld>
             <a:endParaRPr lang="en-US" dirty="0"/>
           </a:p>
@@ -5942,7 +5938,7 @@
             <a:fld id="{B61BEF0D-F0BB-DE4B-95CE-6DB70DBA9567}" type="datetimeFigureOut">
               <a:rPr lang="en-US" dirty="0"/>
               <a:pPr/>
-              <a:t>1/25/2018</a:t>
+              <a:t>2/11/2018</a:t>
             </a:fld>
             <a:endParaRPr lang="en-US" dirty="0"/>
           </a:p>
@@ -9636,7 +9632,7 @@
           <p:nvPr>
             <p:extLst>
               <p:ext uri="{D42A27DB-BD31-4B8C-83A1-F6EECF244321}">
-                <p14:modId xmlns:p14="http://schemas.microsoft.com/office/powerpoint/2010/main" val="2746357214"/>
+                <p14:modId xmlns:p14="http://schemas.microsoft.com/office/powerpoint/2010/main" val="3853136125"/>
               </p:ext>
             </p:extLst>
           </p:nvPr>
@@ -9906,7 +9902,7 @@
                           <a:ea typeface="+mn-ea"/>
                           <a:cs typeface="Times New Roman" panose="02020603050405020304" pitchFamily="18" charset="0"/>
                         </a:rPr>
-                        <a:t>, </a:t>
+                        <a:t>, Durva Shah, </a:t>
                       </a:r>
                       <a:r>
                         <a:rPr lang="en-US" sz="1600" b="1" kern="1200" dirty="0" err="1">
@@ -9918,7 +9914,7 @@
                           <a:ea typeface="+mn-ea"/>
                           <a:cs typeface="Times New Roman" panose="02020603050405020304" pitchFamily="18" charset="0"/>
                         </a:rPr>
-                        <a:t>Durva</a:t>
+                        <a:t>Parita</a:t>
                       </a:r>
                       <a:r>
                         <a:rPr lang="en-US" sz="1600" b="1" kern="1200" dirty="0">
@@ -9930,10 +9926,10 @@
                           <a:ea typeface="+mn-ea"/>
                           <a:cs typeface="Times New Roman" panose="02020603050405020304" pitchFamily="18" charset="0"/>
                         </a:rPr>
-                        <a:t> Shah, </a:t>
-                      </a:r>
-                      <a:r>
-                        <a:rPr lang="en-US" sz="1600" b="1" kern="1200" dirty="0" err="1">
+                        <a:t> Shukla, </a:t>
+                      </a:r>
+                      <a:r>
+                        <a:rPr lang="en-US" sz="1600" b="1" kern="1200">
                           <a:solidFill>
                             <a:schemeClr val="dk1"/>
                           </a:solidFill>
@@ -9942,19 +9938,7 @@
                           <a:ea typeface="+mn-ea"/>
                           <a:cs typeface="Times New Roman" panose="02020603050405020304" pitchFamily="18" charset="0"/>
                         </a:rPr>
-                        <a:t>Parita</a:t>
-                      </a:r>
-                      <a:r>
-                        <a:rPr lang="en-US" sz="1600" b="1" kern="1200" dirty="0">
-                          <a:solidFill>
-                            <a:schemeClr val="dk1"/>
-                          </a:solidFill>
-                          <a:effectLst/>
-                          <a:latin typeface="Times New Roman" panose="02020603050405020304" pitchFamily="18" charset="0"/>
-                          <a:ea typeface="+mn-ea"/>
-                          <a:cs typeface="Times New Roman" panose="02020603050405020304" pitchFamily="18" charset="0"/>
-                        </a:rPr>
-                        <a:t> Shukla, Sadhika </a:t>
+                        <a:t>Prachi Shah, Sadhika </a:t>
                       </a:r>
                       <a:r>
                         <a:rPr lang="en-US" sz="1600" b="1" kern="1200" dirty="0" err="1">
